--- a/Lesson 2/GIT.pptx
+++ b/Lesson 2/GIT.pptx
@@ -107,6 +107,11 @@
       </a:defRPr>
     </a:lvl9pPr>
   </p:defaultTextStyle>
+  <p:extLst>
+    <p:ext uri="{EFAFB233-063F-42B5-8137-9DF3F51BA10A}">
+      <p15:sldGuideLst xmlns:p15="http://schemas.microsoft.com/office/powerpoint/2012/main"/>
+    </p:ext>
+  </p:extLst>
 </p:presentation>
 </file>
 
@@ -257,7 +262,7 @@
           <a:p>
             <a:fld id="{DDADAA15-91DE-47AA-870B-1C6DE7849268}" type="datetimeFigureOut">
               <a:rPr lang="ru-RU" smtClean="0"/>
-              <a:t>10.11.2022</a:t>
+              <a:t>11.11.2022</a:t>
             </a:fld>
             <a:endParaRPr lang="ru-RU"/>
           </a:p>
@@ -455,7 +460,7 @@
           <a:p>
             <a:fld id="{DDADAA15-91DE-47AA-870B-1C6DE7849268}" type="datetimeFigureOut">
               <a:rPr lang="ru-RU" smtClean="0"/>
-              <a:t>10.11.2022</a:t>
+              <a:t>11.11.2022</a:t>
             </a:fld>
             <a:endParaRPr lang="ru-RU"/>
           </a:p>
@@ -663,7 +668,7 @@
           <a:p>
             <a:fld id="{DDADAA15-91DE-47AA-870B-1C6DE7849268}" type="datetimeFigureOut">
               <a:rPr lang="ru-RU" smtClean="0"/>
-              <a:t>10.11.2022</a:t>
+              <a:t>11.11.2022</a:t>
             </a:fld>
             <a:endParaRPr lang="ru-RU"/>
           </a:p>
@@ -861,7 +866,7 @@
           <a:p>
             <a:fld id="{DDADAA15-91DE-47AA-870B-1C6DE7849268}" type="datetimeFigureOut">
               <a:rPr lang="ru-RU" smtClean="0"/>
-              <a:t>10.11.2022</a:t>
+              <a:t>11.11.2022</a:t>
             </a:fld>
             <a:endParaRPr lang="ru-RU"/>
           </a:p>
@@ -1136,7 +1141,7 @@
           <a:p>
             <a:fld id="{DDADAA15-91DE-47AA-870B-1C6DE7849268}" type="datetimeFigureOut">
               <a:rPr lang="ru-RU" smtClean="0"/>
-              <a:t>10.11.2022</a:t>
+              <a:t>11.11.2022</a:t>
             </a:fld>
             <a:endParaRPr lang="ru-RU"/>
           </a:p>
@@ -1401,7 +1406,7 @@
           <a:p>
             <a:fld id="{DDADAA15-91DE-47AA-870B-1C6DE7849268}" type="datetimeFigureOut">
               <a:rPr lang="ru-RU" smtClean="0"/>
-              <a:t>10.11.2022</a:t>
+              <a:t>11.11.2022</a:t>
             </a:fld>
             <a:endParaRPr lang="ru-RU"/>
           </a:p>
@@ -1813,7 +1818,7 @@
           <a:p>
             <a:fld id="{DDADAA15-91DE-47AA-870B-1C6DE7849268}" type="datetimeFigureOut">
               <a:rPr lang="ru-RU" smtClean="0"/>
-              <a:t>10.11.2022</a:t>
+              <a:t>11.11.2022</a:t>
             </a:fld>
             <a:endParaRPr lang="ru-RU"/>
           </a:p>
@@ -1954,7 +1959,7 @@
           <a:p>
             <a:fld id="{DDADAA15-91DE-47AA-870B-1C6DE7849268}" type="datetimeFigureOut">
               <a:rPr lang="ru-RU" smtClean="0"/>
-              <a:t>10.11.2022</a:t>
+              <a:t>11.11.2022</a:t>
             </a:fld>
             <a:endParaRPr lang="ru-RU"/>
           </a:p>
@@ -2067,7 +2072,7 @@
           <a:p>
             <a:fld id="{DDADAA15-91DE-47AA-870B-1C6DE7849268}" type="datetimeFigureOut">
               <a:rPr lang="ru-RU" smtClean="0"/>
-              <a:t>10.11.2022</a:t>
+              <a:t>11.11.2022</a:t>
             </a:fld>
             <a:endParaRPr lang="ru-RU"/>
           </a:p>
@@ -2378,7 +2383,7 @@
           <a:p>
             <a:fld id="{DDADAA15-91DE-47AA-870B-1C6DE7849268}" type="datetimeFigureOut">
               <a:rPr lang="ru-RU" smtClean="0"/>
-              <a:t>10.11.2022</a:t>
+              <a:t>11.11.2022</a:t>
             </a:fld>
             <a:endParaRPr lang="ru-RU"/>
           </a:p>
@@ -2666,7 +2671,7 @@
           <a:p>
             <a:fld id="{DDADAA15-91DE-47AA-870B-1C6DE7849268}" type="datetimeFigureOut">
               <a:rPr lang="ru-RU" smtClean="0"/>
-              <a:t>10.11.2022</a:t>
+              <a:t>11.11.2022</a:t>
             </a:fld>
             <a:endParaRPr lang="ru-RU"/>
           </a:p>
@@ -2907,7 +2912,7 @@
           <a:p>
             <a:fld id="{DDADAA15-91DE-47AA-870B-1C6DE7849268}" type="datetimeFigureOut">
               <a:rPr lang="ru-RU" smtClean="0"/>
-              <a:t>10.11.2022</a:t>
+              <a:t>11.11.2022</a:t>
             </a:fld>
             <a:endParaRPr lang="ru-RU"/>
           </a:p>
@@ -6079,60 +6084,6 @@
       </p:sp>
       <p:sp>
         <p:nvSpPr>
-          <p:cNvPr id="25" name="Заголовок 1">
-            <a:extLst>
-              <a:ext uri="{FF2B5EF4-FFF2-40B4-BE49-F238E27FC236}">
-                <a16:creationId xmlns:a16="http://schemas.microsoft.com/office/drawing/2014/main" id="{C7F2287B-4C15-0379-2A4C-BCADAA19BE28}"/>
-              </a:ext>
-            </a:extLst>
-          </p:cNvPr>
-          <p:cNvSpPr txBox="1">
-            <a:spLocks/>
-          </p:cNvSpPr>
-          <p:nvPr/>
-        </p:nvSpPr>
-        <p:spPr>
-          <a:xfrm>
-            <a:off x="5646489" y="4678009"/>
-            <a:ext cx="2235670" cy="331920"/>
-          </a:xfrm>
-          <a:prstGeom prst="rect">
-            <a:avLst/>
-          </a:prstGeom>
-        </p:spPr>
-        <p:txBody>
-          <a:bodyPr vert="horz" lIns="91440" tIns="45720" rIns="91440" bIns="45720" rtlCol="0" anchor="b">
-            <a:normAutofit/>
-          </a:bodyPr>
-          <a:lstStyle>
-            <a:lvl1pPr algn="ctr" defTabSz="914400" rtl="0" eaLnBrk="1" latinLnBrk="0" hangingPunct="1">
-              <a:lnSpc>
-                <a:spcPct val="90000"/>
-              </a:lnSpc>
-              <a:spcBef>
-                <a:spcPct val="0"/>
-              </a:spcBef>
-              <a:buNone/>
-              <a:defRPr sz="6000" kern="1200">
-                <a:solidFill>
-                  <a:schemeClr val="tx1"/>
-                </a:solidFill>
-                <a:latin typeface="+mj-lt"/>
-                <a:ea typeface="+mj-ea"/>
-                <a:cs typeface="+mj-cs"/>
-              </a:defRPr>
-            </a:lvl1pPr>
-          </a:lstStyle>
-          <a:p>
-            <a:r>
-              <a:rPr lang="en-US" sz="1600" dirty="0"/>
-              <a:t>Lesson 1/DZ.txt</a:t>
-            </a:r>
-          </a:p>
-        </p:txBody>
-      </p:sp>
-      <p:sp>
-        <p:nvSpPr>
           <p:cNvPr id="27" name="Заголовок 1">
             <a:extLst>
               <a:ext uri="{FF2B5EF4-FFF2-40B4-BE49-F238E27FC236}">
